--- a/Project 3- SubReddit Classification/Analysis of Honda Post versus.pptx
+++ b/Project 3- SubReddit Classification/Analysis of Honda Post versus.pptx
@@ -245,7 +245,7 @@
           <a:p>
             <a:fld id="{9232FC57-E1F8-4F59-A87C-2833007EAF57}" type="datetimeFigureOut">
               <a:rPr lang="en-US" smtClean="0"/>
-              <a:t>3/31/2022</a:t>
+              <a:t>4/1/2022</a:t>
             </a:fld>
             <a:endParaRPr lang="en-US"/>
           </a:p>
@@ -422,7 +422,7 @@
           <a:p>
             <a:fld id="{C98ACAC0-59EA-4916-9995-398D6BEB88C3}" type="datetimeFigureOut">
               <a:rPr lang="en-US" smtClean="0"/>
-              <a:t>3/31/2022</a:t>
+              <a:t>4/1/2022</a:t>
             </a:fld>
             <a:endParaRPr lang="en-US"/>
           </a:p>
@@ -1630,7 +1630,7 @@
           <a:p>
             <a:fld id="{E199D1A0-04AB-4DD4-B9DB-BDEC5E64C94C}" type="datetime1">
               <a:rPr lang="en-US" smtClean="0"/>
-              <a:t>3/31/2022</a:t>
+              <a:t>4/1/2022</a:t>
             </a:fld>
             <a:endParaRPr lang="en-US" dirty="0"/>
           </a:p>
@@ -1864,7 +1864,7 @@
           <a:p>
             <a:fld id="{CF53EA80-260A-4EE9-83BB-E6DD04DEA906}" type="datetime1">
               <a:rPr lang="en-US" smtClean="0"/>
-              <a:t>3/31/2022</a:t>
+              <a:t>4/1/2022</a:t>
             </a:fld>
             <a:endParaRPr lang="en-US" dirty="0"/>
           </a:p>
@@ -2354,7 +2354,7 @@
           <a:p>
             <a:fld id="{8CD80274-DEF2-4F5D-8F74-69D0554CED55}" type="datetime1">
               <a:rPr lang="en-US" smtClean="0"/>
-              <a:t>3/31/2022</a:t>
+              <a:t>4/1/2022</a:t>
             </a:fld>
             <a:endParaRPr lang="en-US" dirty="0"/>
           </a:p>
@@ -2590,7 +2590,7 @@
           <a:p>
             <a:fld id="{C09D4DA8-2D4A-4F06-BECA-044AF4113FB4}" type="datetime1">
               <a:rPr lang="en-US" smtClean="0"/>
-              <a:t>3/31/2022</a:t>
+              <a:t>4/1/2022</a:t>
             </a:fld>
             <a:endParaRPr lang="en-US" dirty="0"/>
           </a:p>
@@ -3064,7 +3064,7 @@
           <a:p>
             <a:fld id="{C7C81873-7D47-483D-BCB4-50DD9806C720}" type="datetime1">
               <a:rPr lang="en-US" smtClean="0"/>
-              <a:t>3/31/2022</a:t>
+              <a:t>4/1/2022</a:t>
             </a:fld>
             <a:endParaRPr lang="en-US" dirty="0"/>
           </a:p>
@@ -3393,7 +3393,7 @@
           <a:p>
             <a:fld id="{90EA6C54-2562-43EA-9A1B-F808D04718E7}" type="datetime1">
               <a:rPr lang="en-US" smtClean="0"/>
-              <a:t>3/31/2022</a:t>
+              <a:t>4/1/2022</a:t>
             </a:fld>
             <a:endParaRPr lang="en-US" dirty="0"/>
           </a:p>
@@ -3528,7 +3528,7 @@
           <a:p>
             <a:fld id="{90EA6C54-2562-43EA-9A1B-F808D04718E7}" type="datetime1">
               <a:rPr lang="en-US" smtClean="0"/>
-              <a:t>3/31/2022</a:t>
+              <a:t>4/1/2022</a:t>
             </a:fld>
             <a:endParaRPr lang="en-US" dirty="0"/>
           </a:p>
@@ -3774,7 +3774,7 @@
           <a:p>
             <a:fld id="{C5DB74C9-B808-4394-A017-79C83B2524EF}" type="datetime1">
               <a:rPr lang="en-US" smtClean="0"/>
-              <a:t>3/31/2022</a:t>
+              <a:t>4/1/2022</a:t>
             </a:fld>
             <a:endParaRPr lang="en-US" dirty="0"/>
           </a:p>
@@ -4233,7 +4233,7 @@
           <a:p>
             <a:fld id="{AAD2DF6D-B715-4785-8DEA-9165C638CF44}" type="datetime1">
               <a:rPr lang="en-US" smtClean="0"/>
-              <a:t>3/31/2022</a:t>
+              <a:t>4/1/2022</a:t>
             </a:fld>
             <a:endParaRPr lang="en-US" dirty="0"/>
           </a:p>
@@ -4867,7 +4867,7 @@
           <a:p>
             <a:fld id="{137AE72A-09B6-4D56-855D-4360BD347914}" type="datetime1">
               <a:rPr lang="en-US" smtClean="0"/>
-              <a:t>3/31/2022</a:t>
+              <a:t>4/1/2022</a:t>
             </a:fld>
             <a:endParaRPr lang="en-US" dirty="0"/>
           </a:p>
@@ -5199,7 +5199,7 @@
           <a:p>
             <a:fld id="{1E5577C8-AB8C-4B8A-A01F-113B16C4DCA3}" type="datetime1">
               <a:rPr lang="en-US" smtClean="0"/>
-              <a:t>3/31/2022</a:t>
+              <a:t>4/1/2022</a:t>
             </a:fld>
             <a:endParaRPr lang="en-US" dirty="0"/>
           </a:p>
@@ -5961,7 +5961,7 @@
             <a:fld id="{BEE4C197-EFE5-4623-8631-61DB25EC0F85}" type="datetime1">
               <a:rPr lang="en-US" smtClean="0"/>
               <a:pPr/>
-              <a:t>3/31/2022</a:t>
+              <a:t>4/1/2022</a:t>
             </a:fld>
             <a:endParaRPr lang="en-US" dirty="0"/>
           </a:p>
@@ -6755,7 +6755,7 @@
             <a:fld id="{BEE4C197-EFE5-4623-8631-61DB25EC0F85}" type="datetime1">
               <a:rPr lang="en-US" smtClean="0"/>
               <a:pPr/>
-              <a:t>3/31/2022</a:t>
+              <a:t>4/1/2022</a:t>
             </a:fld>
             <a:endParaRPr lang="en-US" dirty="0"/>
           </a:p>
@@ -7249,7 +7249,7 @@
             <a:fld id="{BEE4C197-EFE5-4623-8631-61DB25EC0F85}" type="datetime1">
               <a:rPr lang="en-US" smtClean="0"/>
               <a:pPr/>
-              <a:t>3/31/2022</a:t>
+              <a:t>4/1/2022</a:t>
             </a:fld>
             <a:endParaRPr lang="en-US" dirty="0"/>
           </a:p>
@@ -7521,7 +7521,7 @@
             <a:fld id="{BEE4C197-EFE5-4623-8631-61DB25EC0F85}" type="datetime1">
               <a:rPr lang="en-US" smtClean="0"/>
               <a:pPr/>
-              <a:t>3/31/2022</a:t>
+              <a:t>4/1/2022</a:t>
             </a:fld>
             <a:endParaRPr lang="en-US" dirty="0"/>
           </a:p>
@@ -7753,23 +7753,7 @@
           <a:p>
             <a:r>
               <a:rPr lang="en-US" sz="2800" dirty="0"/>
-              <a:t>Examine </a:t>
-            </a:r>
-            <a:r>
-              <a:rPr lang="en-US" sz="2800" dirty="0" err="1"/>
-              <a:t>mazda</a:t>
-            </a:r>
-            <a:r>
-              <a:rPr lang="en-US" sz="2800" dirty="0"/>
-              <a:t> posts wrongly classified to </a:t>
-            </a:r>
-            <a:r>
-              <a:rPr lang="en-US" sz="2800" dirty="0" err="1"/>
-              <a:t>honda</a:t>
-            </a:r>
-            <a:r>
-              <a:rPr lang="en-US" sz="2800" dirty="0"/>
-              <a:t> post</a:t>
+              <a:t>wrongly classified to Mazda post</a:t>
             </a:r>
           </a:p>
         </p:txBody>
@@ -7798,7 +7782,7 @@
             <a:fld id="{BEE4C197-EFE5-4623-8631-61DB25EC0F85}" type="datetime1">
               <a:rPr lang="en-US" smtClean="0"/>
               <a:pPr/>
-              <a:t>3/31/2022</a:t>
+              <a:t>4/1/2022</a:t>
             </a:fld>
             <a:endParaRPr lang="en-US" dirty="0"/>
           </a:p>
@@ -7884,7 +7868,7 @@
           <p:nvPr>
             <p:extLst>
               <p:ext uri="{D42A27DB-BD31-4B8C-83A1-F6EECF244321}">
-                <p14:modId xmlns:p14="http://schemas.microsoft.com/office/powerpoint/2010/main" val="2199291843"/>
+                <p14:modId xmlns:p14="http://schemas.microsoft.com/office/powerpoint/2010/main" val="3500007829"/>
               </p:ext>
             </p:extLst>
           </p:nvPr>
@@ -7928,7 +7912,7 @@
                           <a:effectLst/>
                           <a:latin typeface="Calibri" panose="020F0502020204030204" pitchFamily="34" charset="0"/>
                         </a:rPr>
-                        <a:t>Mazda post wrongly classified to Honda post</a:t>
+                        <a:t>Honda post wrongly classified to Mazda post</a:t>
                       </a:r>
                     </a:p>
                   </a:txBody>
@@ -9692,14 +9676,24 @@
                     <a:p>
                       <a:pPr algn="l" fontAlgn="ctr"/>
                       <a:r>
-                        <a:rPr lang="en-SG" sz="1600" b="0" i="0" u="none" strike="noStrike">
+                        <a:rPr lang="en-SG" sz="1600" b="0" i="0" u="none" strike="noStrike" dirty="0">
                           <a:solidFill>
                             <a:srgbClr val="000000"/>
                           </a:solidFill>
                           <a:effectLst/>
                           <a:latin typeface="Courier New" panose="02070309020205020404" pitchFamily="49" charset="0"/>
                         </a:rPr>
-                        <a:t> ('touring', 130),</a:t>
+                        <a:t> </a:t>
+                      </a:r>
+                      <a:r>
+                        <a:rPr lang="en-SG" sz="1600" b="0" i="0" u="none" strike="noStrike" dirty="0">
+                          <a:solidFill>
+                            <a:srgbClr val="FF0000"/>
+                          </a:solidFill>
+                          <a:effectLst/>
+                          <a:latin typeface="Courier New" panose="02070309020205020404" pitchFamily="49" charset="0"/>
+                        </a:rPr>
+                        <a:t>('touring', 130),</a:t>
                       </a:r>
                     </a:p>
                   </a:txBody>
@@ -9996,7 +9990,7 @@
                 </a:solidFill>
                 <a:effectLst/>
               </a:rPr>
-              <a:t>engine’.These</a:t>
+              <a:t>engine’,’touring</a:t>
             </a:r>
             <a:r>
               <a:rPr lang="en-US" b="0" i="0" dirty="0">
@@ -10005,7 +9999,7 @@
                 </a:solidFill>
                 <a:effectLst/>
               </a:rPr>
-              <a:t> words are relatively common among all car brands. So, model is not able to predict it properly</a:t>
+              <a:t>’. These words are relatively common among all car brands. So, model is not able to predict it properly</a:t>
             </a:r>
             <a:endParaRPr lang="en-SG" dirty="0"/>
           </a:p>
@@ -10079,23 +10073,7 @@
           <a:p>
             <a:r>
               <a:rPr lang="en-US" sz="2800" dirty="0"/>
-              <a:t>Examine </a:t>
-            </a:r>
-            <a:r>
-              <a:rPr lang="en-US" sz="2800" dirty="0" err="1"/>
-              <a:t>honda</a:t>
-            </a:r>
-            <a:r>
-              <a:rPr lang="en-US" sz="2800" dirty="0"/>
-              <a:t> posts wrongly classified to </a:t>
-            </a:r>
-            <a:r>
-              <a:rPr lang="en-US" sz="2800" dirty="0" err="1"/>
-              <a:t>mazda</a:t>
-            </a:r>
-            <a:r>
-              <a:rPr lang="en-US" sz="2800" dirty="0"/>
-              <a:t> post</a:t>
+              <a:t>wrongly classified to Honda post</a:t>
             </a:r>
           </a:p>
         </p:txBody>
@@ -10281,7 +10259,7 @@
                 <a:effectLst/>
                 <a:latin typeface="+mj-lt"/>
               </a:rPr>
-              <a:t>just','like','engine','know','miles','hybrid'.The</a:t>
+              <a:t>just','like','engine','know','miles','hybrid</a:t>
             </a:r>
             <a:r>
               <a:rPr lang="en-US" b="0" i="0" dirty="0">
@@ -10291,7 +10269,7 @@
                 <a:effectLst/>
                 <a:latin typeface="+mj-lt"/>
               </a:rPr>
-              <a:t> word 'hybrid' is likely the word that the model picks up and identify as </a:t>
+              <a:t>’. The word 'hybrid' is likely the word that the model picks up and identify as </a:t>
             </a:r>
             <a:r>
               <a:rPr lang="en-US" b="0" i="0" dirty="0" err="1">
@@ -10324,21 +10302,21 @@
           <p:nvPr>
             <p:extLst>
               <p:ext uri="{D42A27DB-BD31-4B8C-83A1-F6EECF244321}">
-                <p14:modId xmlns:p14="http://schemas.microsoft.com/office/powerpoint/2010/main" val="3952805272"/>
+                <p14:modId xmlns:p14="http://schemas.microsoft.com/office/powerpoint/2010/main" val="2415689024"/>
               </p:ext>
             </p:extLst>
           </p:nvPr>
         </p:nvGraphicFramePr>
         <p:xfrm>
-          <a:off x="683003" y="1094920"/>
-          <a:ext cx="9613521" cy="4351331"/>
+          <a:off x="762000" y="1094920"/>
+          <a:ext cx="9534524" cy="4351331"/>
         </p:xfrm>
         <a:graphic>
           <a:graphicData uri="http://schemas.openxmlformats.org/drawingml/2006/table">
             <a:tbl>
               <a:tblPr/>
               <a:tblGrid>
-                <a:gridCol w="3243971">
+                <a:gridCol w="3164974">
                   <a:extLst>
                     <a:ext uri="{9D8B030D-6E8A-4147-A177-3AD203B41FA5}">
                       <a16:colId xmlns:a16="http://schemas.microsoft.com/office/drawing/2014/main" val="3195122921"/>
@@ -10368,7 +10346,7 @@
                     <a:p>
                       <a:pPr algn="l" fontAlgn="b"/>
                       <a:r>
-                        <a:rPr lang="en-US" sz="1900" b="0" i="0" u="none" strike="noStrike">
+                        <a:rPr lang="en-US" sz="1900" b="0" i="0" u="none" strike="noStrike" dirty="0">
                           <a:solidFill>
                             <a:srgbClr val="000000"/>
                           </a:solidFill>
@@ -10989,14 +10967,24 @@
                     <a:p>
                       <a:pPr algn="l" fontAlgn="ctr"/>
                       <a:r>
-                        <a:rPr lang="en-SG" sz="1500" b="0" i="0" u="none" strike="noStrike">
+                        <a:rPr lang="en-SG" sz="1500" b="0" i="0" u="none" strike="noStrike" dirty="0">
                           <a:solidFill>
                             <a:srgbClr val="000000"/>
                           </a:solidFill>
                           <a:effectLst/>
                           <a:latin typeface="Courier New" panose="02070309020205020404" pitchFamily="49" charset="0"/>
                         </a:rPr>
-                        <a:t> ('like', 237),</a:t>
+                        <a:t> </a:t>
+                      </a:r>
+                      <a:r>
+                        <a:rPr lang="en-SG" sz="1500" b="0" i="0" u="none" strike="noStrike" dirty="0">
+                          <a:solidFill>
+                            <a:srgbClr val="FF0000"/>
+                          </a:solidFill>
+                          <a:effectLst/>
+                          <a:latin typeface="Courier New" panose="02070309020205020404" pitchFamily="49" charset="0"/>
+                        </a:rPr>
+                        <a:t>('like', 237),</a:t>
                       </a:r>
                     </a:p>
                   </a:txBody>
@@ -13216,7 +13204,7 @@
             <a:fld id="{BEE4C197-EFE5-4623-8631-61DB25EC0F85}" type="datetime1">
               <a:rPr lang="en-US" smtClean="0"/>
               <a:pPr/>
-              <a:t>3/31/2022</a:t>
+              <a:t>4/1/2022</a:t>
             </a:fld>
             <a:endParaRPr lang="en-US" dirty="0"/>
           </a:p>
@@ -13384,7 +13372,7 @@
                 <a:effectLst/>
                 <a:latin typeface="+mj-lt"/>
               </a:rPr>
-              <a:t>Based on above top important features, Honda is synonymous with economical, fuel-efficient automobiles. it’s the classic models, such coupe, that remain the best of the bunch. These two characteristics can deceive one into thinking they’re simple economy cars or another mildly sporty coupe. </a:t>
+              <a:t>Based on above top important features, Honda is synonymous with economical, fuel-efficient automobiles. it’s the classic models, coupe, remains the best of the bunch. These two characteristics can deceive one into thinking they’re simple economy cars or another mildly sporty coupe. </a:t>
             </a:r>
           </a:p>
           <a:p>
@@ -14059,7 +14047,7 @@
           <a:p>
             <a:fld id="{478CD27B-109C-41C9-9CF4-85F532F66BBB}" type="datetime1">
               <a:rPr lang="en-US" smtClean="0"/>
-              <a:t>3/31/2022</a:t>
+              <a:t>4/1/2022</a:t>
             </a:fld>
             <a:endParaRPr lang="en-US" dirty="0"/>
           </a:p>
@@ -14270,7 +14258,7 @@
             <a:fld id="{5AF05980-54E0-4F3D-BAF3-4CE06FA77025}" type="datetime1">
               <a:rPr lang="en-US" smtClean="0"/>
               <a:pPr/>
-              <a:t>3/31/2022</a:t>
+              <a:t>4/1/2022</a:t>
             </a:fld>
             <a:endParaRPr lang="en-US" dirty="0"/>
           </a:p>
@@ -14993,7 +14981,7 @@
           <a:p>
             <a:fld id="{E2EFFCE6-B714-4312-995E-9A4A689D43F0}" type="datetime1">
               <a:rPr lang="en-US" smtClean="0"/>
-              <a:t>3/31/2022</a:t>
+              <a:t>4/1/2022</a:t>
             </a:fld>
             <a:endParaRPr lang="en-US" dirty="0"/>
           </a:p>
@@ -15165,15 +15153,7 @@
           <a:p>
             <a:r>
               <a:rPr lang="en-US" sz="1400" dirty="0"/>
-              <a:t>Today my main objective is to </a:t>
-            </a:r>
-            <a:r>
-              <a:rPr lang="en-US" sz="1400" dirty="0" err="1"/>
-              <a:t>desugb</a:t>
-            </a:r>
-            <a:r>
-              <a:rPr lang="en-US" sz="1400" dirty="0"/>
-              <a:t> a proof of concept using NLP and Machine Learning to analyze and segregate the posts and provide a solution to the customer service team.</a:t>
+              <a:t>Today my main objective is to develop a proof of concept using NLP and Machine Learning to analyze and segregate the posts and provide a solution to the customer service team.</a:t>
             </a:r>
           </a:p>
         </p:txBody>
@@ -15202,7 +15182,7 @@
             <a:fld id="{9FEF76E7-2EBE-4103-B764-AD23619BE076}" type="datetime1">
               <a:rPr lang="en-US" smtClean="0"/>
               <a:pPr/>
-              <a:t>3/31/2022</a:t>
+              <a:t>4/1/2022</a:t>
             </a:fld>
             <a:endParaRPr lang="en-US" dirty="0"/>
           </a:p>
@@ -15496,7 +15476,7 @@
             <a:fld id="{BEE4C197-EFE5-4623-8631-61DB25EC0F85}" type="datetime1">
               <a:rPr lang="en-US" smtClean="0"/>
               <a:pPr/>
-              <a:t>3/31/2022</a:t>
+              <a:t>4/1/2022</a:t>
             </a:fld>
             <a:endParaRPr lang="en-US" dirty="0"/>
           </a:p>
@@ -15554,6 +15534,23 @@
             <a:normAutofit/>
           </a:bodyPr>
           <a:lstStyle/>
+          <a:p>
+            <a:pPr marL="0" indent="0">
+              <a:buNone/>
+            </a:pPr>
+            <a:r>
+              <a:rPr lang="en-SG" dirty="0"/>
+              <a:t>Import from r/Honda and r/</a:t>
+            </a:r>
+            <a:r>
+              <a:rPr lang="en-SG" dirty="0" err="1"/>
+              <a:t>mazda</a:t>
+            </a:r>
+            <a:r>
+              <a:rPr lang="en-SG" dirty="0"/>
+              <a:t>. </a:t>
+            </a:r>
+          </a:p>
           <a:p>
             <a:pPr marL="0" indent="0">
               <a:buNone/>
@@ -15658,7 +15655,7 @@
             <a:fld id="{BEE4C197-EFE5-4623-8631-61DB25EC0F85}" type="datetime1">
               <a:rPr lang="en-US" smtClean="0"/>
               <a:pPr/>
-              <a:t>3/31/2022</a:t>
+              <a:t>4/1/2022</a:t>
             </a:fld>
             <a:endParaRPr lang="en-US" dirty="0"/>
           </a:p>
@@ -15951,7 +15948,7 @@
             <a:fld id="{BEE4C197-EFE5-4623-8631-61DB25EC0F85}" type="datetime1">
               <a:rPr lang="en-US" smtClean="0"/>
               <a:pPr/>
-              <a:t>3/31/2022</a:t>
+              <a:t>4/1/2022</a:t>
             </a:fld>
             <a:endParaRPr lang="en-US" dirty="0"/>
           </a:p>
@@ -16178,7 +16175,7 @@
             <a:fld id="{BEE4C197-EFE5-4623-8631-61DB25EC0F85}" type="datetime1">
               <a:rPr lang="en-US" smtClean="0"/>
               <a:pPr/>
-              <a:t>3/31/2022</a:t>
+              <a:t>4/1/2022</a:t>
             </a:fld>
             <a:endParaRPr lang="en-US" dirty="0"/>
           </a:p>
@@ -18028,6 +18025,15 @@
 </file>
 
 <file path=customXml/item1.xml><?xml version="1.0" encoding="utf-8"?>
+<?mso-contentType ?>
+<FormTemplates xmlns="http://schemas.microsoft.com/sharepoint/v3/contenttype/forms">
+  <Display>DocumentLibraryForm</Display>
+  <Edit>DocumentLibraryForm</Edit>
+  <New>DocumentLibraryForm</New>
+</FormTemplates>
+</file>
+
+<file path=customXml/item2.xml><?xml version="1.0" encoding="utf-8"?>
 <ct:contentTypeSchema xmlns:ct="http://schemas.microsoft.com/office/2006/metadata/contentType" xmlns:ma="http://schemas.microsoft.com/office/2006/metadata/properties/metaAttributes" ct:_="" ma:_="" ma:contentTypeName="Document" ma:contentTypeID="0x01010079F111ED35F8CC479449609E8A0923A6" ma:contentTypeVersion="12" ma:contentTypeDescription="Create a new document." ma:contentTypeScope="" ma:versionID="426e97fa315356fffbdcd9876fe988c2">
   <xsd:schema xmlns:xsd="http://www.w3.org/2001/XMLSchema" xmlns:xs="http://www.w3.org/2001/XMLSchema" xmlns:p="http://schemas.microsoft.com/office/2006/metadata/properties" xmlns:ns2="71af3243-3dd4-4a8d-8c0d-dd76da1f02a5" xmlns:ns3="16c05727-aa75-4e4a-9b5f-8a80a1165891" targetNamespace="http://schemas.microsoft.com/office/2006/metadata/properties" ma:root="true" ma:fieldsID="14b8f0def80e6d70ce3def20c90759ae" ns2:_="" ns3:_="">
     <xsd:import namespace="71af3243-3dd4-4a8d-8c0d-dd76da1f02a5"/>
@@ -18248,15 +18254,6 @@
 </ct:contentTypeSchema>
 </file>
 
-<file path=customXml/item2.xml><?xml version="1.0" encoding="utf-8"?>
-<?mso-contentType ?>
-<FormTemplates xmlns="http://schemas.microsoft.com/sharepoint/v3/contenttype/forms">
-  <Display>DocumentLibraryForm</Display>
-  <Edit>DocumentLibraryForm</Edit>
-  <New>DocumentLibraryForm</New>
-</FormTemplates>
-</file>
-
 <file path=customXml/item3.xml><?xml version="1.0" encoding="utf-8"?>
 <p:properties xmlns:p="http://schemas.microsoft.com/office/2006/metadata/properties" xmlns:xsi="http://www.w3.org/2001/XMLSchema-instance" xmlns:pc="http://schemas.microsoft.com/office/infopath/2007/PartnerControls">
   <documentManagement>
@@ -18267,6 +18264,14 @@
 </file>
 
 <file path=customXml/itemProps1.xml><?xml version="1.0" encoding="utf-8"?>
+<ds:datastoreItem xmlns:ds="http://schemas.openxmlformats.org/officeDocument/2006/customXml" ds:itemID="{53A10211-FBDE-44DA-8AD6-29E596B2975F}">
+  <ds:schemaRefs>
+    <ds:schemaRef ds:uri="http://schemas.microsoft.com/sharepoint/v3/contenttype/forms"/>
+  </ds:schemaRefs>
+</ds:datastoreItem>
+</file>
+
+<file path=customXml/itemProps2.xml><?xml version="1.0" encoding="utf-8"?>
 <ds:datastoreItem xmlns:ds="http://schemas.openxmlformats.org/officeDocument/2006/customXml" ds:itemID="{6A1B7BBB-8F46-4BA8-85EC-2ECC1D2E3290}">
   <ds:schemaRefs>
     <ds:schemaRef ds:uri="http://schemas.microsoft.com/office/2006/metadata/contentType"/>
@@ -18285,14 +18290,6 @@
 </ds:datastoreItem>
 </file>
 
-<file path=customXml/itemProps2.xml><?xml version="1.0" encoding="utf-8"?>
-<ds:datastoreItem xmlns:ds="http://schemas.openxmlformats.org/officeDocument/2006/customXml" ds:itemID="{53A10211-FBDE-44DA-8AD6-29E596B2975F}">
-  <ds:schemaRefs>
-    <ds:schemaRef ds:uri="http://schemas.microsoft.com/sharepoint/v3/contenttype/forms"/>
-  </ds:schemaRefs>
-</ds:datastoreItem>
-</file>
-
 <file path=customXml/itemProps3.xml><?xml version="1.0" encoding="utf-8"?>
 <ds:datastoreItem xmlns:ds="http://schemas.openxmlformats.org/officeDocument/2006/customXml" ds:itemID="{D0976319-4513-485C-AD3A-E56C39927A38}">
   <ds:schemaRefs>
